--- a/powerpoint/More-Exercises.pptx
+++ b/powerpoint/More-Exercises.pptx
@@ -7,18 +7,19 @@
     <p:sldMasterId id="2147484184" r:id="rId7"/>
   </p:sldMasterIdLst>
   <p:notesMasterIdLst>
-    <p:notesMasterId r:id="rId14"/>
+    <p:notesMasterId r:id="rId15"/>
   </p:notesMasterIdLst>
   <p:handoutMasterIdLst>
-    <p:handoutMasterId r:id="rId15"/>
+    <p:handoutMasterId r:id="rId16"/>
   </p:handoutMasterIdLst>
   <p:sldIdLst>
     <p:sldId id="401" r:id="rId8"/>
-    <p:sldId id="402" r:id="rId9"/>
-    <p:sldId id="404" r:id="rId10"/>
-    <p:sldId id="403" r:id="rId11"/>
-    <p:sldId id="406" r:id="rId12"/>
-    <p:sldId id="405" r:id="rId13"/>
+    <p:sldId id="407" r:id="rId9"/>
+    <p:sldId id="408" r:id="rId10"/>
+    <p:sldId id="404" r:id="rId11"/>
+    <p:sldId id="403" r:id="rId12"/>
+    <p:sldId id="406" r:id="rId13"/>
+    <p:sldId id="405" r:id="rId14"/>
   </p:sldIdLst>
   <p:sldSz cx="16256000" cy="9144000"/>
   <p:notesSz cx="6858000" cy="9144000"/>
@@ -149,7 +150,7 @@
   </p:defaultTextStyle>
   <p:extLst>
     <p:ext uri="{EFAFB233-063F-42B5-8137-9DF3F51BA10A}">
-      <p15:sldGuideLst xmlns="" xmlns:p15="http://schemas.microsoft.com/office/powerpoint/2012/main">
+      <p15:sldGuideLst xmlns:p15="http://schemas.microsoft.com/office/powerpoint/2012/main" xmlns="">
         <p15:guide id="1" orient="horz" pos="894">
           <p15:clr>
             <a:srgbClr val="A4A3A4"/>
@@ -163,7 +164,7 @@
       </p15:sldGuideLst>
     </p:ext>
     <p:ext uri="{2D200454-40CA-4A62-9FC3-DE9A4176ACB9}">
-      <p15:notesGuideLst xmlns="" xmlns:p15="http://schemas.microsoft.com/office/powerpoint/2012/main"/>
+      <p15:notesGuideLst xmlns:p15="http://schemas.microsoft.com/office/powerpoint/2012/main" xmlns=""/>
     </p:ext>
   </p:extLst>
 </p:presentation>
@@ -286,7 +287,7 @@
               <a:pPr>
                 <a:defRPr/>
               </a:pPr>
-              <a:t>3/12/17</a:t>
+              <a:t>3/20/17</a:t>
             </a:fld>
             <a:endParaRPr lang="en-US" dirty="0"/>
           </a:p>
@@ -469,7 +470,7 @@
               <a:pPr>
                 <a:defRPr/>
               </a:pPr>
-              <a:t>3/12/17</a:t>
+              <a:t>3/20/17</a:t>
             </a:fld>
             <a:endParaRPr lang="en-US" dirty="0"/>
           </a:p>
@@ -867,156 +868,6 @@
     </a:lvl9pPr>
   </p:notesStyle>
 </p:notesMaster>
-</file>
-
-<file path=ppt/notesSlides/notesSlide1.xml><?xml version="1.0" encoding="utf-8"?>
-<p:notes xmlns:a="http://schemas.openxmlformats.org/drawingml/2006/main" xmlns:r="http://schemas.openxmlformats.org/officeDocument/2006/relationships" xmlns:p="http://schemas.openxmlformats.org/presentationml/2006/main">
-  <p:cSld>
-    <p:spTree>
-      <p:nvGrpSpPr>
-        <p:cNvPr id="1" name=""/>
-        <p:cNvGrpSpPr/>
-        <p:nvPr/>
-      </p:nvGrpSpPr>
-      <p:grpSpPr>
-        <a:xfrm>
-          <a:off x="0" y="0"/>
-          <a:ext cx="0" cy="0"/>
-          <a:chOff x="0" y="0"/>
-          <a:chExt cx="0" cy="0"/>
-        </a:xfrm>
-      </p:grpSpPr>
-      <p:sp>
-        <p:nvSpPr>
-          <p:cNvPr id="2" name="Slide Image Placeholder 1"/>
-          <p:cNvSpPr>
-            <a:spLocks noGrp="1" noRot="1" noChangeAspect="1"/>
-          </p:cNvSpPr>
-          <p:nvPr>
-            <p:ph type="sldImg"/>
-          </p:nvPr>
-        </p:nvSpPr>
-        <p:spPr/>
-      </p:sp>
-      <p:sp>
-        <p:nvSpPr>
-          <p:cNvPr id="3" name="Notes Placeholder 2"/>
-          <p:cNvSpPr>
-            <a:spLocks noGrp="1"/>
-          </p:cNvSpPr>
-          <p:nvPr>
-            <p:ph type="body" idx="1"/>
-          </p:nvPr>
-        </p:nvSpPr>
-        <p:spPr/>
-        <p:txBody>
-          <a:bodyPr/>
-          <a:lstStyle/>
-          <a:p>
-            <a:r>
-              <a:rPr lang="en-US" dirty="0" smtClean="0"/>
-              <a:t>&gt;&gt;&gt; INSTRUCTOR</a:t>
-            </a:r>
-            <a:r>
-              <a:rPr lang="en-US" baseline="0" dirty="0" smtClean="0"/>
-              <a:t> NOTE </a:t>
-            </a:r>
-            <a:r>
-              <a:rPr lang="mr-IN" baseline="0" dirty="0" smtClean="0"/>
-              <a:t>–</a:t>
-            </a:r>
-            <a:r>
-              <a:rPr lang="en-US" baseline="0" dirty="0" smtClean="0"/>
-              <a:t> Use this slide if you haven’t already remediated the SSH Protocol</a:t>
-            </a:r>
-            <a:endParaRPr lang="en-US" dirty="0"/>
-          </a:p>
-        </p:txBody>
-      </p:sp>
-      <p:sp>
-        <p:nvSpPr>
-          <p:cNvPr id="4" name="Slide Number Placeholder 3"/>
-          <p:cNvSpPr>
-            <a:spLocks noGrp="1"/>
-          </p:cNvSpPr>
-          <p:nvPr>
-            <p:ph type="sldNum" sz="quarter" idx="10"/>
-          </p:nvPr>
-        </p:nvSpPr>
-        <p:spPr/>
-        <p:txBody>
-          <a:bodyPr/>
-          <a:lstStyle/>
-          <a:p>
-            <a:pPr>
-              <a:defRPr/>
-            </a:pPr>
-            <a:fld id="{DC3734AA-3150-D947-AC52-2F5DF48BFCD5}" type="slidenum">
-              <a:rPr lang="en-US" smtClean="0"/>
-              <a:pPr>
-                <a:defRPr/>
-              </a:pPr>
-              <a:t>2</a:t>
-            </a:fld>
-            <a:endParaRPr lang="en-US" dirty="0"/>
-          </a:p>
-        </p:txBody>
-      </p:sp>
-      <p:sp>
-        <p:nvSpPr>
-          <p:cNvPr id="5" name="Header Placeholder 4"/>
-          <p:cNvSpPr>
-            <a:spLocks noGrp="1"/>
-          </p:cNvSpPr>
-          <p:nvPr>
-            <p:ph type="hdr" sz="quarter" idx="11"/>
-          </p:nvPr>
-        </p:nvSpPr>
-        <p:spPr/>
-        <p:txBody>
-          <a:bodyPr/>
-          <a:lstStyle/>
-          <a:p>
-            <a:pPr>
-              <a:defRPr/>
-            </a:pPr>
-            <a:endParaRPr lang="en-US"/>
-          </a:p>
-        </p:txBody>
-      </p:sp>
-      <p:sp>
-        <p:nvSpPr>
-          <p:cNvPr id="6" name="Footer Placeholder 5"/>
-          <p:cNvSpPr>
-            <a:spLocks noGrp="1"/>
-          </p:cNvSpPr>
-          <p:nvPr>
-            <p:ph type="ftr" sz="quarter" idx="12"/>
-          </p:nvPr>
-        </p:nvSpPr>
-        <p:spPr/>
-        <p:txBody>
-          <a:bodyPr/>
-          <a:lstStyle/>
-          <a:p>
-            <a:pPr>
-              <a:defRPr/>
-            </a:pPr>
-            <a:endParaRPr lang="en-US"/>
-          </a:p>
-        </p:txBody>
-      </p:sp>
-    </p:spTree>
-    <p:extLst>
-      <p:ext uri="{BB962C8B-B14F-4D97-AF65-F5344CB8AC3E}">
-        <p14:creationId xmlns:p14="http://schemas.microsoft.com/office/powerpoint/2010/main" val="3589497664"/>
-      </p:ext>
-    </p:extLst>
-  </p:cSld>
-  <p:clrMapOvr>
-    <a:masterClrMapping/>
-  </p:clrMapOvr>
-</p:notes>
 </file>
 
 <file path=ppt/slideLayouts/slideLayout1.xml><?xml version="1.0" encoding="utf-8"?>
@@ -8776,7 +8627,7 @@
   </p:txStyles>
   <p:extLst mod="1">
     <p:ext uri="{27BBF7A9-308A-43DC-89C8-2F10F3537804}">
-      <p15:sldGuideLst xmlns="" xmlns:p15="http://schemas.microsoft.com/office/powerpoint/2012/main"/>
+      <p15:sldGuideLst xmlns:p15="http://schemas.microsoft.com/office/powerpoint/2012/main" xmlns=""/>
     </p:ext>
   </p:extLst>
 </p:sldMaster>
@@ -9260,7 +9111,7 @@
   </p:txStyles>
   <p:extLst mod="1">
     <p:ext uri="{27BBF7A9-308A-43DC-89C8-2F10F3537804}">
-      <p15:sldGuideLst xmlns="" xmlns:p15="http://schemas.microsoft.com/office/powerpoint/2012/main"/>
+      <p15:sldGuideLst xmlns:p15="http://schemas.microsoft.com/office/powerpoint/2012/main" xmlns=""/>
     </p:ext>
   </p:extLst>
 </p:sldMaster>
@@ -9743,7 +9594,7 @@
   </p:txStyles>
   <p:extLst mod="1">
     <p:ext uri="{27BBF7A9-308A-43DC-89C8-2F10F3537804}">
-      <p15:sldGuideLst xmlns="" xmlns:p15="http://schemas.microsoft.com/office/powerpoint/2012/main"/>
+      <p15:sldGuideLst xmlns:p15="http://schemas.microsoft.com/office/powerpoint/2012/main" xmlns=""/>
     </p:ext>
   </p:extLst>
 </p:sldMaster>
@@ -9845,7 +9696,7 @@
 </file>
 
 <file path=ppt/slides/slide2.xml><?xml version="1.0" encoding="utf-8"?>
-<p:sld xmlns:a="http://schemas.openxmlformats.org/drawingml/2006/main" xmlns:r="http://schemas.openxmlformats.org/officeDocument/2006/relationships" xmlns:p="http://schemas.openxmlformats.org/presentationml/2006/main" show="0">
+<p:sld xmlns:a="http://schemas.openxmlformats.org/drawingml/2006/main" xmlns:r="http://schemas.openxmlformats.org/officeDocument/2006/relationships" xmlns:p="http://schemas.openxmlformats.org/presentationml/2006/main">
   <p:cSld>
     <p:spTree>
       <p:nvGrpSpPr>
@@ -9863,7 +9714,7 @@
       </p:grpSpPr>
       <p:sp>
         <p:nvSpPr>
-          <p:cNvPr id="2" name="Title 1"/>
+          <p:cNvPr id="4" name="Title 3"/>
           <p:cNvSpPr>
             <a:spLocks noGrp="1"/>
           </p:cNvSpPr>
@@ -9873,22 +9724,12 @@
         </p:nvSpPr>
         <p:spPr/>
         <p:txBody>
-          <a:bodyPr>
-            <a:normAutofit/>
-          </a:bodyPr>
+          <a:bodyPr/>
           <a:lstStyle/>
           <a:p>
             <a:r>
               <a:rPr lang="en-US" dirty="0" smtClean="0"/>
-              <a:t>Remediate </a:t>
-            </a:r>
-            <a:r>
-              <a:rPr lang="en-US" dirty="0" err="1" smtClean="0"/>
-              <a:t>ssh</a:t>
-            </a:r>
-            <a:r>
-              <a:rPr lang="en-US" dirty="0" smtClean="0"/>
-              <a:t> Protocol</a:t>
+              <a:t>Server SSH Key</a:t>
             </a:r>
             <a:endParaRPr lang="en-US" dirty="0"/>
           </a:p>
@@ -9896,7 +9737,7 @@
       </p:sp>
       <p:sp>
         <p:nvSpPr>
-          <p:cNvPr id="3" name="Subtitle 2"/>
+          <p:cNvPr id="5" name="Text Placeholder 4"/>
           <p:cNvSpPr>
             <a:spLocks noGrp="1"/>
           </p:cNvSpPr>
@@ -9911,41 +9752,148 @@
           <a:p>
             <a:r>
               <a:rPr lang="en-US" dirty="0" smtClean="0"/>
-              <a:t>Write a cookbook to manage </a:t>
+              <a:t>Write a control that:</a:t>
+            </a:r>
+          </a:p>
+          <a:p>
+            <a:pPr lvl="1"/>
+            <a:r>
+              <a:rPr lang="en-US" dirty="0" smtClean="0"/>
+              <a:t>Tests for the existence of </a:t>
+            </a:r>
+            <a:r>
+              <a:rPr lang="en-US" dirty="0" smtClean="0">
+                <a:latin typeface="Consolas"/>
+                <a:cs typeface="Consolas"/>
+              </a:rPr>
+              <a:t>/</a:t>
+            </a:r>
+            <a:r>
+              <a:rPr lang="en-US" dirty="0" err="1" smtClean="0">
+                <a:latin typeface="Consolas"/>
+                <a:cs typeface="Consolas"/>
+              </a:rPr>
+              <a:t>etc</a:t>
+            </a:r>
+            <a:r>
+              <a:rPr lang="en-US" dirty="0" smtClean="0">
+                <a:latin typeface="Consolas"/>
+                <a:cs typeface="Consolas"/>
+              </a:rPr>
+              <a:t>/</a:t>
+            </a:r>
+            <a:r>
+              <a:rPr lang="en-US" dirty="0" err="1" smtClean="0">
+                <a:latin typeface="Consolas"/>
+                <a:cs typeface="Consolas"/>
+              </a:rPr>
+              <a:t>ssh</a:t>
+            </a:r>
+            <a:r>
+              <a:rPr lang="en-US" dirty="0" smtClean="0">
+                <a:latin typeface="Consolas"/>
+                <a:cs typeface="Consolas"/>
+              </a:rPr>
+              <a:t>/</a:t>
+            </a:r>
+            <a:r>
+              <a:rPr lang="en-US" dirty="0" err="1" smtClean="0">
+                <a:latin typeface="Consolas"/>
+                <a:cs typeface="Consolas"/>
+              </a:rPr>
+              <a:t>ssh_host_rsa_key</a:t>
+            </a:r>
+            <a:endParaRPr lang="en-US" dirty="0" smtClean="0">
+              <a:latin typeface="Consolas"/>
+              <a:cs typeface="Consolas"/>
+            </a:endParaRPr>
+          </a:p>
+          <a:p>
+            <a:pPr lvl="1"/>
+            <a:r>
+              <a:rPr lang="en-US" dirty="0" smtClean="0"/>
+              <a:t>Tests that </a:t>
+            </a:r>
+            <a:r>
+              <a:rPr lang="en-US" dirty="0" smtClean="0">
+                <a:latin typeface="Consolas"/>
+                <a:cs typeface="Consolas"/>
+              </a:rPr>
+              <a:t>/</a:t>
+            </a:r>
+            <a:r>
+              <a:rPr lang="en-US" dirty="0" err="1" smtClean="0">
+                <a:latin typeface="Consolas"/>
+                <a:cs typeface="Consolas"/>
+              </a:rPr>
+              <a:t>etc</a:t>
+            </a:r>
+            <a:r>
+              <a:rPr lang="en-US" dirty="0" smtClean="0">
+                <a:latin typeface="Consolas"/>
+                <a:cs typeface="Consolas"/>
+              </a:rPr>
+              <a:t>/</a:t>
+            </a:r>
+            <a:r>
+              <a:rPr lang="en-US" dirty="0" err="1" smtClean="0">
+                <a:latin typeface="Consolas"/>
+                <a:cs typeface="Consolas"/>
+              </a:rPr>
+              <a:t>ssh</a:t>
+            </a:r>
+            <a:r>
+              <a:rPr lang="en-US" dirty="0" smtClean="0">
+                <a:latin typeface="Consolas"/>
+                <a:cs typeface="Consolas"/>
+              </a:rPr>
+              <a:t>/</a:t>
+            </a:r>
+            <a:r>
+              <a:rPr lang="en-US" dirty="0" err="1" smtClean="0">
+                <a:latin typeface="Consolas"/>
+                <a:cs typeface="Consolas"/>
+              </a:rPr>
+              <a:t>ssh_host_rsa_key</a:t>
+            </a:r>
+            <a:r>
+              <a:rPr lang="en-US" dirty="0" smtClean="0"/>
+              <a:t> contains “</a:t>
+            </a:r>
+            <a:r>
+              <a:rPr lang="en-US" dirty="0" smtClean="0">
+                <a:latin typeface="Consolas"/>
+                <a:cs typeface="Consolas"/>
+              </a:rPr>
+              <a:t>BEGIN RSA PRIVATE KEY</a:t>
+            </a:r>
+            <a:r>
+              <a:rPr lang="en-US" dirty="0" smtClean="0"/>
+              <a:t>”</a:t>
+            </a:r>
+          </a:p>
+          <a:p>
+            <a:r>
+              <a:rPr lang="en-US" dirty="0" smtClean="0"/>
+              <a:t>Check out the docs on </a:t>
+            </a:r>
+            <a:r>
+              <a:rPr lang="en-US" dirty="0" smtClean="0">
+                <a:hlinkClick r:id="rId2"/>
+              </a:rPr>
+              <a:t>http://inspec.io</a:t>
+            </a:r>
+            <a:r>
+              <a:rPr lang="en-US" dirty="0" smtClean="0"/>
+              <a:t> for what </a:t>
             </a:r>
             <a:r>
               <a:rPr lang="en-US" dirty="0" err="1" smtClean="0"/>
-              <a:t>ssh</a:t>
-            </a:r>
-            <a:endParaRPr lang="en-US" dirty="0" smtClean="0"/>
-          </a:p>
-          <a:p>
+              <a:t>InSpec</a:t>
+            </a:r>
             <a:r>
               <a:rPr lang="en-US" dirty="0" smtClean="0"/>
-              <a:t>Verify the Protocol is set appropriately</a:t>
-            </a:r>
-          </a:p>
-          <a:p>
-            <a:r>
-              <a:rPr lang="en-US" dirty="0" smtClean="0"/>
-              <a:t>Apply the recipe to your local machine with </a:t>
-            </a:r>
-            <a:r>
-              <a:rPr lang="en-US" dirty="0" smtClean="0">
-                <a:latin typeface="Courier New"/>
-                <a:cs typeface="Courier New"/>
-              </a:rPr>
-              <a:t>chef-client --local</a:t>
-            </a:r>
-            <a:r>
-              <a:rPr lang="en-US" dirty="0" smtClean="0"/>
-              <a:t> (if you dare!)</a:t>
-            </a:r>
-          </a:p>
-          <a:p>
-            <a:r>
-              <a:rPr lang="en-US" dirty="0" smtClean="0"/>
-              <a:t>Verify your colleague’s work</a:t>
+              <a:t> resource you can use</a:t>
             </a:r>
             <a:endParaRPr lang="en-US" dirty="0"/>
           </a:p>
@@ -9954,32 +9902,25 @@
     </p:spTree>
     <p:extLst>
       <p:ext uri="{BB962C8B-B14F-4D97-AF65-F5344CB8AC3E}">
-        <p14:creationId xmlns:p14="http://schemas.microsoft.com/office/powerpoint/2010/main" val="3898276492"/>
+        <p14:creationId xmlns:p14="http://schemas.microsoft.com/office/powerpoint/2010/main" val="4291469885"/>
       </p:ext>
     </p:extLst>
   </p:cSld>
   <p:clrMapOvr>
     <a:masterClrMapping/>
   </p:clrMapOvr>
-  <mc:AlternateContent xmlns:mc="http://schemas.openxmlformats.org/markup-compatibility/2006">
-    <mc:Choice xmlns:p14="http://schemas.microsoft.com/office/powerpoint/2010/main" Requires="p14">
+  <mc:AlternateContent xmlns:mc="http://schemas.openxmlformats.org/markup-compatibility/2006" xmlns:p14="http://schemas.microsoft.com/office/powerpoint/2010/main">
+    <mc:Choice Requires="p14">
       <p:transition spd="med" p14:dur="700">
         <p:fade/>
       </p:transition>
     </mc:Choice>
-    <mc:Fallback>
-      <p:transition xmlns:p14="http://schemas.microsoft.com/office/powerpoint/2010/main" spd="med">
+    <mc:Fallback xmlns="">
+      <p:transition spd="med">
         <p:fade/>
       </p:transition>
     </mc:Fallback>
   </mc:AlternateContent>
-  <p:timing>
-    <p:tnLst>
-      <p:par>
-        <p:cTn xmlns:p14="http://schemas.microsoft.com/office/powerpoint/2010/main" id="1" dur="indefinite" restart="never" nodeType="tmRoot"/>
-      </p:par>
-    </p:tnLst>
-  </p:timing>
 </p:sld>
 </file>
 
@@ -10012,22 +9953,19 @@
         </p:nvSpPr>
         <p:spPr/>
         <p:txBody>
-          <a:bodyPr>
-            <a:normAutofit/>
-          </a:bodyPr>
+          <a:bodyPr/>
           <a:lstStyle/>
           <a:p>
             <a:r>
-              <a:rPr lang="en-US" dirty="0" smtClean="0"/>
-              <a:t>Supermarket Profiles</a:t>
-            </a:r>
-            <a:endParaRPr lang="en-US" dirty="0"/>
+              <a:rPr lang="en-US" dirty="0"/>
+              <a:t>Ensure SSH root login is disabled</a:t>
+            </a:r>
           </a:p>
         </p:txBody>
       </p:sp>
       <p:sp>
         <p:nvSpPr>
-          <p:cNvPr id="3" name="Subtitle 2"/>
+          <p:cNvPr id="3" name="Text Placeholder 2"/>
           <p:cNvSpPr>
             <a:spLocks noGrp="1"/>
           </p:cNvSpPr>
@@ -10041,26 +9979,16 @@
           <a:lstStyle/>
           <a:p>
             <a:r>
-              <a:rPr lang="en-US" dirty="0" smtClean="0"/>
-              <a:t>List profiles available on the Supermarket</a:t>
-            </a:r>
-          </a:p>
-          <a:p>
-            <a:r>
-              <a:rPr lang="en-US" dirty="0" smtClean="0"/>
-              <a:t>View information </a:t>
-            </a:r>
-            <a:r>
               <a:rPr lang="en-US" dirty="0"/>
-              <a:t>about the </a:t>
+              <a:t>The </a:t>
             </a:r>
             <a:r>
               <a:rPr lang="en-US" dirty="0" err="1"/>
-              <a:t>dev</a:t>
+              <a:t>PermitRootLogin</a:t>
             </a:r>
             <a:r>
               <a:rPr lang="en-US" dirty="0"/>
-              <a:t>-sec/</a:t>
+              <a:t> parameter specifies if the root user can log in using </a:t>
             </a:r>
             <a:r>
               <a:rPr lang="en-US" dirty="0" err="1"/>
@@ -10068,71 +9996,83 @@
             </a:r>
             <a:r>
               <a:rPr lang="en-US" dirty="0"/>
-              <a:t>-</a:t>
-            </a:r>
+              <a:t>(1). The default is no. </a:t>
+            </a:r>
+            <a:endParaRPr lang="en-US" dirty="0"/>
+          </a:p>
+          <a:p>
+            <a:endParaRPr lang="en-US" dirty="0" smtClean="0"/>
+          </a:p>
+          <a:p>
+            <a:r>
+              <a:rPr lang="en-US" dirty="0"/>
+              <a:t>Disallowing root logins over SSH requires system admins to authenticate using their own individual account, then escalating to root via </a:t>
+            </a:r>
+            <a:r>
+              <a:rPr lang="en-US" dirty="0" err="1"/>
+              <a:t>sudo</a:t>
+            </a:r>
+            <a:r>
+              <a:rPr lang="en-US" dirty="0"/>
+              <a:t> or </a:t>
+            </a:r>
+            <a:r>
+              <a:rPr lang="en-US" dirty="0" err="1"/>
+              <a:t>su</a:t>
+            </a:r>
+            <a:r>
+              <a:rPr lang="en-US" dirty="0"/>
+              <a:t>. This in turn limits opportunity for non-repudiation and provides a clear audit trail in the event of a security incident </a:t>
+            </a:r>
+            <a:endParaRPr lang="en-US" dirty="0"/>
+          </a:p>
+          <a:p>
+            <a:endParaRPr lang="en-US" dirty="0" smtClean="0"/>
+          </a:p>
+          <a:p>
             <a:r>
               <a:rPr lang="en-US" dirty="0" smtClean="0"/>
-              <a:t>baseline profile</a:t>
-            </a:r>
-          </a:p>
-          <a:p>
-            <a:r>
-              <a:rPr lang="en-US" dirty="0"/>
-              <a:t>Execute the </a:t>
-            </a:r>
-            <a:r>
-              <a:rPr lang="en-US" dirty="0" err="1"/>
-              <a:t>dev</a:t>
-            </a:r>
-            <a:r>
-              <a:rPr lang="en-US" dirty="0"/>
-              <a:t>-sec/</a:t>
-            </a:r>
-            <a:r>
-              <a:rPr lang="en-US" dirty="0" err="1"/>
+              <a:t>Add a control to </a:t>
+            </a:r>
+            <a:r>
+              <a:rPr lang="en-US" dirty="0" smtClean="0">
+                <a:latin typeface="Consolas"/>
+                <a:cs typeface="Consolas"/>
+              </a:rPr>
+              <a:t>~/profiles/</a:t>
+            </a:r>
+            <a:r>
+              <a:rPr lang="en-US" dirty="0" err="1" smtClean="0">
+                <a:latin typeface="Consolas"/>
+                <a:cs typeface="Consolas"/>
+              </a:rPr>
               <a:t>ssh</a:t>
             </a:r>
             <a:r>
-              <a:rPr lang="en-US" dirty="0"/>
-              <a:t>-</a:t>
-            </a:r>
-            <a:r>
-              <a:rPr lang="en-US" dirty="0" smtClean="0"/>
-              <a:t>baseline profile from the Supermarket</a:t>
-            </a:r>
-          </a:p>
-          <a:p>
-            <a:r>
-              <a:rPr lang="en-US" dirty="0" smtClean="0"/>
-              <a:t>Write a cookbook to remediate failing </a:t>
-            </a:r>
-            <a:r>
-              <a:rPr lang="en-US" dirty="0"/>
-              <a:t>controls from </a:t>
-            </a:r>
-            <a:r>
-              <a:rPr lang="en-US" dirty="0" err="1"/>
-              <a:t>dev</a:t>
-            </a:r>
-            <a:r>
-              <a:rPr lang="en-US" dirty="0"/>
-              <a:t>-sec/</a:t>
-            </a:r>
-            <a:r>
-              <a:rPr lang="en-US" dirty="0" err="1"/>
-              <a:t>ssh</a:t>
-            </a:r>
-            <a:r>
-              <a:rPr lang="en-US" dirty="0"/>
-              <a:t>-baseline</a:t>
-            </a:r>
+              <a:rPr lang="en-US" dirty="0" smtClean="0">
+                <a:latin typeface="Consolas"/>
+                <a:cs typeface="Consolas"/>
+              </a:rPr>
+              <a:t>/controls/</a:t>
+            </a:r>
+            <a:r>
+              <a:rPr lang="en-US" dirty="0" err="1" smtClean="0">
+                <a:latin typeface="Consolas"/>
+                <a:cs typeface="Consolas"/>
+              </a:rPr>
+              <a:t>ssh.rb</a:t>
+            </a:r>
+            <a:endParaRPr lang="en-US" dirty="0">
+              <a:latin typeface="Consolas"/>
+              <a:cs typeface="Consolas"/>
+            </a:endParaRPr>
           </a:p>
         </p:txBody>
       </p:sp>
     </p:spTree>
     <p:extLst>
       <p:ext uri="{BB962C8B-B14F-4D97-AF65-F5344CB8AC3E}">
-        <p14:creationId xmlns:p14="http://schemas.microsoft.com/office/powerpoint/2010/main" val="2742779891"/>
+        <p14:creationId xmlns:p14="http://schemas.microsoft.com/office/powerpoint/2010/main" val="2063467176"/>
       </p:ext>
     </p:extLst>
   </p:cSld>
@@ -10151,13 +10091,6 @@
       </p:transition>
     </mc:Fallback>
   </mc:AlternateContent>
-  <p:timing>
-    <p:tnLst>
-      <p:par>
-        <p:cTn xmlns:p14="http://schemas.microsoft.com/office/powerpoint/2010/main" id="1" dur="indefinite" restart="never" nodeType="tmRoot"/>
-      </p:par>
-    </p:tnLst>
-  </p:timing>
 </p:sld>
 </file>
 
@@ -10197,7 +10130,7 @@
           <a:p>
             <a:r>
               <a:rPr lang="en-US" dirty="0" smtClean="0"/>
-              <a:t>Build additional CIS controls</a:t>
+              <a:t>Supermarket Profiles</a:t>
             </a:r>
             <a:endParaRPr lang="en-US" dirty="0"/>
           </a:p>
@@ -10219,20 +10152,109 @@
           <a:lstStyle/>
           <a:p>
             <a:r>
+              <a:rPr lang="en-US" dirty="0" smtClean="0"/>
+              <a:t>List profiles available on the Supermarket</a:t>
+            </a:r>
+          </a:p>
+          <a:p>
+            <a:r>
+              <a:rPr lang="en-US" dirty="0" smtClean="0"/>
+              <a:t>View information </a:t>
+            </a:r>
+            <a:r>
               <a:rPr lang="en-US" dirty="0"/>
-              <a:t>https://</a:t>
+              <a:t>about the </a:t>
             </a:r>
             <a:r>
               <a:rPr lang="en-US" dirty="0" err="1"/>
-              <a:t>github.com</a:t>
+              <a:t>dev</a:t>
             </a:r>
             <a:r>
               <a:rPr lang="en-US" dirty="0"/>
-              <a:t>/chef-training/workshops/tree/master/</a:t>
+              <a:t>-sec/</a:t>
             </a:r>
             <a:r>
               <a:rPr lang="en-US" dirty="0" err="1"/>
-              <a:t>InSpec</a:t>
+              <a:t>ssh</a:t>
+            </a:r>
+            <a:r>
+              <a:rPr lang="en-US" dirty="0"/>
+              <a:t>-</a:t>
+            </a:r>
+            <a:r>
+              <a:rPr lang="en-US" dirty="0" smtClean="0"/>
+              <a:t>baseline profile</a:t>
+            </a:r>
+          </a:p>
+          <a:p>
+            <a:r>
+              <a:rPr lang="en-US" dirty="0"/>
+              <a:t>Execute the </a:t>
+            </a:r>
+            <a:r>
+              <a:rPr lang="en-US" dirty="0" err="1"/>
+              <a:t>dev</a:t>
+            </a:r>
+            <a:r>
+              <a:rPr lang="en-US" dirty="0"/>
+              <a:t>-sec/</a:t>
+            </a:r>
+            <a:r>
+              <a:rPr lang="en-US" dirty="0" err="1"/>
+              <a:t>ssh</a:t>
+            </a:r>
+            <a:r>
+              <a:rPr lang="en-US" dirty="0"/>
+              <a:t>-</a:t>
+            </a:r>
+            <a:r>
+              <a:rPr lang="en-US" dirty="0" smtClean="0"/>
+              <a:t>baseline profile from the Supermarket</a:t>
+            </a:r>
+          </a:p>
+          <a:p>
+            <a:r>
+              <a:rPr lang="en-US" dirty="0" smtClean="0"/>
+              <a:t>Write a cookbook to remediate failing </a:t>
+            </a:r>
+            <a:r>
+              <a:rPr lang="en-US" dirty="0"/>
+              <a:t>controls from </a:t>
+            </a:r>
+            <a:r>
+              <a:rPr lang="en-US" dirty="0" err="1"/>
+              <a:t>dev</a:t>
+            </a:r>
+            <a:r>
+              <a:rPr lang="en-US" dirty="0"/>
+              <a:t>-sec/</a:t>
+            </a:r>
+            <a:r>
+              <a:rPr lang="en-US" dirty="0" err="1"/>
+              <a:t>ssh</a:t>
+            </a:r>
+            <a:r>
+              <a:rPr lang="en-US" dirty="0"/>
+              <a:t>-</a:t>
+            </a:r>
+            <a:r>
+              <a:rPr lang="en-US" dirty="0" smtClean="0"/>
+              <a:t>baseline</a:t>
+            </a:r>
+          </a:p>
+          <a:p>
+            <a:pPr lvl="1"/>
+            <a:r>
+              <a:rPr lang="en-US" dirty="0" smtClean="0"/>
+              <a:t>Or look at the </a:t>
+            </a:r>
+            <a:r>
+              <a:rPr lang="en-US" dirty="0" err="1" smtClean="0"/>
+              <a:t>ssh</a:t>
+            </a:r>
+            <a:r>
+              <a:rPr lang="en-US" dirty="0" smtClean="0"/>
+              <a:t>-hardening cookbook</a:t>
             </a:r>
             <a:endParaRPr lang="en-US" dirty="0"/>
           </a:p>
@@ -10241,7 +10263,7 @@
     </p:spTree>
     <p:extLst>
       <p:ext uri="{BB962C8B-B14F-4D97-AF65-F5344CB8AC3E}">
-        <p14:creationId xmlns:p14="http://schemas.microsoft.com/office/powerpoint/2010/main" val="395717591"/>
+        <p14:creationId xmlns:p14="http://schemas.microsoft.com/office/powerpoint/2010/main" val="2742779891"/>
       </p:ext>
     </p:extLst>
   </p:cSld>
@@ -10299,6 +10321,115 @@
         </p:nvSpPr>
         <p:spPr/>
         <p:txBody>
+          <a:bodyPr>
+            <a:normAutofit/>
+          </a:bodyPr>
+          <a:lstStyle/>
+          <a:p>
+            <a:r>
+              <a:rPr lang="en-US" dirty="0" smtClean="0"/>
+              <a:t>Build additional CIS controls</a:t>
+            </a:r>
+            <a:endParaRPr lang="en-US" dirty="0"/>
+          </a:p>
+        </p:txBody>
+      </p:sp>
+      <p:sp>
+        <p:nvSpPr>
+          <p:cNvPr id="3" name="Subtitle 2"/>
+          <p:cNvSpPr>
+            <a:spLocks noGrp="1"/>
+          </p:cNvSpPr>
+          <p:nvPr>
+            <p:ph type="body" sz="quarter" idx="10"/>
+          </p:nvPr>
+        </p:nvSpPr>
+        <p:spPr/>
+        <p:txBody>
+          <a:bodyPr/>
+          <a:lstStyle/>
+          <a:p>
+            <a:r>
+              <a:rPr lang="en-US" dirty="0"/>
+              <a:t>https://</a:t>
+            </a:r>
+            <a:r>
+              <a:rPr lang="en-US" dirty="0" err="1"/>
+              <a:t>github.com</a:t>
+            </a:r>
+            <a:r>
+              <a:rPr lang="en-US" dirty="0"/>
+              <a:t>/chef-training/workshops/tree/master/</a:t>
+            </a:r>
+            <a:r>
+              <a:rPr lang="en-US" dirty="0" err="1"/>
+              <a:t>InSpec</a:t>
+            </a:r>
+            <a:endParaRPr lang="en-US" dirty="0"/>
+          </a:p>
+        </p:txBody>
+      </p:sp>
+    </p:spTree>
+    <p:extLst>
+      <p:ext uri="{BB962C8B-B14F-4D97-AF65-F5344CB8AC3E}">
+        <p14:creationId xmlns:p14="http://schemas.microsoft.com/office/powerpoint/2010/main" val="395717591"/>
+      </p:ext>
+    </p:extLst>
+  </p:cSld>
+  <p:clrMapOvr>
+    <a:masterClrMapping/>
+  </p:clrMapOvr>
+  <mc:AlternateContent xmlns:mc="http://schemas.openxmlformats.org/markup-compatibility/2006" xmlns:p14="http://schemas.microsoft.com/office/powerpoint/2010/main">
+    <mc:Choice Requires="p14">
+      <p:transition spd="med" p14:dur="700">
+        <p:fade/>
+      </p:transition>
+    </mc:Choice>
+    <mc:Fallback xmlns="">
+      <p:transition spd="med">
+        <p:fade/>
+      </p:transition>
+    </mc:Fallback>
+  </mc:AlternateContent>
+  <p:timing>
+    <p:tnLst>
+      <p:par>
+        <p:cTn xmlns:p14="http://schemas.microsoft.com/office/powerpoint/2010/main" id="1" dur="indefinite" restart="never" nodeType="tmRoot"/>
+      </p:par>
+    </p:tnLst>
+  </p:timing>
+</p:sld>
+</file>
+
+<file path=ppt/slides/slide6.xml><?xml version="1.0" encoding="utf-8"?>
+<p:sld xmlns:a="http://schemas.openxmlformats.org/drawingml/2006/main" xmlns:r="http://schemas.openxmlformats.org/officeDocument/2006/relationships" xmlns:p="http://schemas.openxmlformats.org/presentationml/2006/main">
+  <p:cSld>
+    <p:spTree>
+      <p:nvGrpSpPr>
+        <p:cNvPr id="1" name=""/>
+        <p:cNvGrpSpPr/>
+        <p:nvPr/>
+      </p:nvGrpSpPr>
+      <p:grpSpPr>
+        <a:xfrm>
+          <a:off x="0" y="0"/>
+          <a:ext cx="0" cy="0"/>
+          <a:chOff x="0" y="0"/>
+          <a:chExt cx="0" cy="0"/>
+        </a:xfrm>
+      </p:grpSpPr>
+      <p:sp>
+        <p:nvSpPr>
+          <p:cNvPr id="2" name="Title 1"/>
+          <p:cNvSpPr>
+            <a:spLocks noGrp="1"/>
+          </p:cNvSpPr>
+          <p:nvPr>
+            <p:ph type="title"/>
+          </p:nvPr>
+        </p:nvSpPr>
+        <p:spPr/>
+        <p:txBody>
           <a:bodyPr/>
           <a:lstStyle/>
           <a:p>
@@ -10373,7 +10504,7 @@
 </p:sld>
 </file>
 
-<file path=ppt/slides/slide6.xml><?xml version="1.0" encoding="utf-8"?>
+<file path=ppt/slides/slide7.xml><?xml version="1.0" encoding="utf-8"?>
 <p:sld xmlns:a="http://schemas.openxmlformats.org/drawingml/2006/main" xmlns:r="http://schemas.openxmlformats.org/officeDocument/2006/relationships" xmlns:p="http://schemas.openxmlformats.org/presentationml/2006/main">
   <p:cSld>
     <p:spTree>
@@ -10859,7 +10990,7 @@
   <a:extraClrSchemeLst/>
   <a:extLst>
     <a:ext uri="{05A4C25C-085E-4340-85A3-A5531E510DB2}">
-      <thm15:themeFamily xmlns="" xmlns:thm15="http://schemas.microsoft.com/office/thememl/2012/main" name="Chef-Template-16x9-Blue.potx" id="{AEDCA41E-F161-4EBB-B511-A8687687A8DC}" vid="{64ECDA82-38C2-4FAD-B0A3-D276970F43D1}"/>
+      <thm15:themeFamily xmlns:thm15="http://schemas.microsoft.com/office/thememl/2012/main" xmlns="" name="Chef-Template-16x9-Blue.potx" id="{AEDCA41E-F161-4EBB-B511-A8687687A8DC}" vid="{64ECDA82-38C2-4FAD-B0A3-D276970F43D1}"/>
     </a:ext>
   </a:extLst>
 </a:theme>
@@ -11255,7 +11386,7 @@
   <a:extraClrSchemeLst/>
   <a:extLst>
     <a:ext uri="{05A4C25C-085E-4340-85A3-A5531E510DB2}">
-      <thm15:themeFamily xmlns="" xmlns:thm15="http://schemas.microsoft.com/office/thememl/2012/main" name="Chef-Template-16x9-Blue.potx" id="{AEDCA41E-F161-4EBB-B511-A8687687A8DC}" vid="{64ECDA82-38C2-4FAD-B0A3-D276970F43D1}"/>
+      <thm15:themeFamily xmlns:thm15="http://schemas.microsoft.com/office/thememl/2012/main" xmlns="" name="Chef-Template-16x9-Blue.potx" id="{AEDCA41E-F161-4EBB-B511-A8687687A8DC}" vid="{64ECDA82-38C2-4FAD-B0A3-D276970F43D1}"/>
     </a:ext>
   </a:extLst>
 </a:theme>
@@ -11651,7 +11782,7 @@
   <a:extraClrSchemeLst/>
   <a:extLst>
     <a:ext uri="{05A4C25C-085E-4340-85A3-A5531E510DB2}">
-      <thm15:themeFamily xmlns="" xmlns:thm15="http://schemas.microsoft.com/office/thememl/2012/main" name="Chef-Template-16x9-Blue.potx" id="{AEDCA41E-F161-4EBB-B511-A8687687A8DC}" vid="{64ECDA82-38C2-4FAD-B0A3-D276970F43D1}"/>
+      <thm15:themeFamily xmlns:thm15="http://schemas.microsoft.com/office/thememl/2012/main" xmlns="" name="Chef-Template-16x9-Blue.potx" id="{AEDCA41E-F161-4EBB-B511-A8687687A8DC}" vid="{64ECDA82-38C2-4FAD-B0A3-D276970F43D1}"/>
     </a:ext>
   </a:extLst>
 </a:theme>
